--- a/Student U_Team 7_Boyu Bao.pptx
+++ b/Student U_Team 7_Boyu Bao.pptx
@@ -7087,7 +7087,7 @@
         </p:blipFill>
         <p:spPr>
           <a:xfrm>
-            <a:off x="8653786" y="2585105"/>
+            <a:off x="8591545" y="2600217"/>
             <a:ext cx="2456051" cy="3298993"/>
           </a:xfrm>
           <a:prstGeom prst="rect">
